--- a/Documentation/Thesis Proposal.pptx
+++ b/Documentation/Thesis Proposal.pptx
@@ -5,7 +5,7 @@
     <p:sldMasterId id="2147483648" r:id="rId1"/>
   </p:sldMasterIdLst>
   <p:notesMasterIdLst>
-    <p:notesMasterId r:id="rId15"/>
+    <p:notesMasterId r:id="rId16"/>
   </p:notesMasterIdLst>
   <p:sldIdLst>
     <p:sldId id="256" r:id="rId2"/>
@@ -19,8 +19,9 @@
     <p:sldId id="278" r:id="rId10"/>
     <p:sldId id="279" r:id="rId11"/>
     <p:sldId id="274" r:id="rId12"/>
-    <p:sldId id="275" r:id="rId13"/>
-    <p:sldId id="269" r:id="rId14"/>
+    <p:sldId id="282" r:id="rId13"/>
+    <p:sldId id="275" r:id="rId14"/>
+    <p:sldId id="269" r:id="rId15"/>
   </p:sldIdLst>
   <p:sldSz cx="9144000" cy="6858000" type="screen4x3"/>
   <p:notesSz cx="6858000" cy="9144000"/>
@@ -220,7 +221,7 @@
           <a:p>
             <a:fld id="{56B99EEE-1779-4E9D-9E75-B7E66AAA3560}" type="datetimeFigureOut">
               <a:rPr lang="en-US" smtClean="0"/>
-              <a:t>2/23/2019</a:t>
+              <a:t>2/26/2019</a:t>
             </a:fld>
             <a:endParaRPr lang="en-US"/>
           </a:p>
@@ -3580,7 +3581,7 @@
             <a:fld id="{A549ADDE-98E8-4149-84E6-9A28F99CE161}" type="datetimeFigureOut">
               <a:rPr lang="en-US" smtClean="0"/>
               <a:pPr/>
-              <a:t>2/23/2019</a:t>
+              <a:t>2/26/2019</a:t>
             </a:fld>
             <a:endParaRPr lang="en-US"/>
           </a:p>
@@ -4473,6 +4474,110 @@
           <p:cNvPr id="2" name="Title 1">
             <a:extLst>
               <a:ext uri="{FF2B5EF4-FFF2-40B4-BE49-F238E27FC236}">
+                <a16:creationId xmlns:a16="http://schemas.microsoft.com/office/drawing/2014/main" id="{58DF0432-F127-4012-9548-92F6B36214C0}"/>
+              </a:ext>
+            </a:extLst>
+          </p:cNvPr>
+          <p:cNvSpPr>
+            <a:spLocks noGrp="1"/>
+          </p:cNvSpPr>
+          <p:nvPr>
+            <p:ph type="title"/>
+          </p:nvPr>
+        </p:nvSpPr>
+        <p:spPr/>
+        <p:txBody>
+          <a:bodyPr/>
+          <a:lstStyle/>
+          <a:p>
+            <a:r>
+              <a:rPr lang="en-US" dirty="0"/>
+              <a:t>Goals and Conclusions</a:t>
+            </a:r>
+          </a:p>
+        </p:txBody>
+      </p:sp>
+      <p:sp>
+        <p:nvSpPr>
+          <p:cNvPr id="3" name="Content Placeholder 2">
+            <a:extLst>
+              <a:ext uri="{FF2B5EF4-FFF2-40B4-BE49-F238E27FC236}">
+                <a16:creationId xmlns:a16="http://schemas.microsoft.com/office/drawing/2014/main" id="{20E9235E-5AF8-4B15-B496-D61175BAFF16}"/>
+              </a:ext>
+            </a:extLst>
+          </p:cNvPr>
+          <p:cNvSpPr>
+            <a:spLocks noGrp="1"/>
+          </p:cNvSpPr>
+          <p:nvPr>
+            <p:ph idx="1"/>
+          </p:nvPr>
+        </p:nvSpPr>
+        <p:spPr/>
+        <p:txBody>
+          <a:bodyPr/>
+          <a:lstStyle/>
+          <a:p>
+            <a:r>
+              <a:rPr lang="en-US" dirty="0"/>
+              <a:t>Create an easy to use model for generating heuristics for CSPs.</a:t>
+            </a:r>
+          </a:p>
+          <a:p>
+            <a:r>
+              <a:rPr lang="en-US" dirty="0"/>
+              <a:t>Collect variable data when solving these problems to determine which variables have the biggest impact.</a:t>
+            </a:r>
+          </a:p>
+          <a:p>
+            <a:r>
+              <a:rPr lang="en-US" dirty="0"/>
+              <a:t>Deliver comprehensive and expandable model.</a:t>
+            </a:r>
+          </a:p>
+          <a:p>
+            <a:pPr marL="0" indent="0">
+              <a:buNone/>
+            </a:pPr>
+            <a:endParaRPr lang="en-US" dirty="0"/>
+          </a:p>
+        </p:txBody>
+      </p:sp>
+    </p:spTree>
+    <p:extLst>
+      <p:ext uri="{BB962C8B-B14F-4D97-AF65-F5344CB8AC3E}">
+        <p14:creationId xmlns:p14="http://schemas.microsoft.com/office/powerpoint/2010/main" val="4088634946"/>
+      </p:ext>
+    </p:extLst>
+  </p:cSld>
+  <p:clrMapOvr>
+    <a:masterClrMapping/>
+  </p:clrMapOvr>
+</p:sld>
+</file>
+
+<file path=ppt/slides/slide13.xml><?xml version="1.0" encoding="utf-8"?>
+<p:sld xmlns:a="http://schemas.openxmlformats.org/drawingml/2006/main" xmlns:r="http://schemas.openxmlformats.org/officeDocument/2006/relationships" xmlns:p="http://schemas.openxmlformats.org/presentationml/2006/main">
+  <p:cSld>
+    <p:spTree>
+      <p:nvGrpSpPr>
+        <p:cNvPr id="1" name=""/>
+        <p:cNvGrpSpPr/>
+        <p:nvPr/>
+      </p:nvGrpSpPr>
+      <p:grpSpPr>
+        <a:xfrm>
+          <a:off x="0" y="0"/>
+          <a:ext cx="0" cy="0"/>
+          <a:chOff x="0" y="0"/>
+          <a:chExt cx="0" cy="0"/>
+        </a:xfrm>
+      </p:grpSpPr>
+      <p:sp>
+        <p:nvSpPr>
+          <p:cNvPr id="2" name="Title 1">
+            <a:extLst>
+              <a:ext uri="{FF2B5EF4-FFF2-40B4-BE49-F238E27FC236}">
                 <a16:creationId xmlns:a16="http://schemas.microsoft.com/office/drawing/2014/main" id="{097D6615-BE2B-4F05-9601-E4DEC902AC5C}"/>
               </a:ext>
             </a:extLst>
@@ -4617,7 +4722,7 @@
 </p:sld>
 </file>
 
-<file path=ppt/slides/slide13.xml><?xml version="1.0" encoding="utf-8"?>
+<file path=ppt/slides/slide14.xml><?xml version="1.0" encoding="utf-8"?>
 <p:sld xmlns:a="http://schemas.openxmlformats.org/drawingml/2006/main" xmlns:r="http://schemas.openxmlformats.org/officeDocument/2006/relationships" xmlns:p="http://schemas.openxmlformats.org/presentationml/2006/main">
   <p:cSld>
     <p:spTree>
